--- a/Отчет октябрь.pptx
+++ b/Отчет октябрь.pptx
@@ -114,6 +114,11 @@
       </a:defRPr>
     </a:lvl9pPr>
   </p:defaultTextStyle>
+  <p:extLst>
+    <p:ext uri="{EFAFB233-063F-42B5-8137-9DF3F51BA10A}">
+      <p15:sldGuideLst xmlns:p15="http://schemas.microsoft.com/office/powerpoint/2012/main"/>
+    </p:ext>
+  </p:extLst>
 </p:presentation>
 </file>
 
@@ -256,7 +261,7 @@
           <a:p>
             <a:fld id="{48A87A34-81AB-432B-8DAE-1953F412C126}" type="datetimeFigureOut">
               <a:rPr lang="en-US" dirty="0"/>
-              <a:t>10/18/2020</a:t>
+              <a:t>10/21/2020</a:t>
             </a:fld>
             <a:endParaRPr lang="en-US" dirty="0"/>
           </a:p>
@@ -462,7 +467,7 @@
           <a:p>
             <a:fld id="{48A87A34-81AB-432B-8DAE-1953F412C126}" type="datetimeFigureOut">
               <a:rPr lang="en-US" dirty="0"/>
-              <a:t>10/18/2020</a:t>
+              <a:t>10/21/2020</a:t>
             </a:fld>
             <a:endParaRPr lang="en-US" dirty="0"/>
           </a:p>
@@ -672,7 +677,7 @@
           <a:p>
             <a:fld id="{48A87A34-81AB-432B-8DAE-1953F412C126}" type="datetimeFigureOut">
               <a:rPr lang="en-US" dirty="0"/>
-              <a:t>10/18/2020</a:t>
+              <a:t>10/21/2020</a:t>
             </a:fld>
             <a:endParaRPr lang="en-US" dirty="0"/>
           </a:p>
@@ -868,7 +873,7 @@
           <a:p>
             <a:fld id="{48A87A34-81AB-432B-8DAE-1953F412C126}" type="datetimeFigureOut">
               <a:rPr lang="en-US" dirty="0"/>
-              <a:t>10/18/2020</a:t>
+              <a:t>10/21/2020</a:t>
             </a:fld>
             <a:endParaRPr lang="en-US" dirty="0"/>
           </a:p>
@@ -1142,7 +1147,7 @@
           <a:p>
             <a:fld id="{48A87A34-81AB-432B-8DAE-1953F412C126}" type="datetimeFigureOut">
               <a:rPr lang="en-US" dirty="0"/>
-              <a:t>10/18/2020</a:t>
+              <a:t>10/21/2020</a:t>
             </a:fld>
             <a:endParaRPr lang="en-US" dirty="0"/>
           </a:p>
@@ -1405,7 +1410,7 @@
           <a:p>
             <a:fld id="{48A87A34-81AB-432B-8DAE-1953F412C126}" type="datetimeFigureOut">
               <a:rPr lang="en-US" dirty="0"/>
-              <a:t>10/18/2020</a:t>
+              <a:t>10/21/2020</a:t>
             </a:fld>
             <a:endParaRPr lang="en-US" dirty="0"/>
           </a:p>
@@ -1816,7 +1821,7 @@
           <a:p>
             <a:fld id="{48A87A34-81AB-432B-8DAE-1953F412C126}" type="datetimeFigureOut">
               <a:rPr lang="en-US" dirty="0"/>
-              <a:t>10/18/2020</a:t>
+              <a:t>10/21/2020</a:t>
             </a:fld>
             <a:endParaRPr lang="en-US" dirty="0"/>
           </a:p>
@@ -1960,7 +1965,7 @@
           <a:p>
             <a:fld id="{48A87A34-81AB-432B-8DAE-1953F412C126}" type="datetimeFigureOut">
               <a:rPr lang="en-US" dirty="0"/>
-              <a:t>10/18/2020</a:t>
+              <a:t>10/21/2020</a:t>
             </a:fld>
             <a:endParaRPr lang="en-US" dirty="0"/>
           </a:p>
@@ -2081,7 +2086,7 @@
           <a:p>
             <a:fld id="{48A87A34-81AB-432B-8DAE-1953F412C126}" type="datetimeFigureOut">
               <a:rPr lang="en-US" dirty="0"/>
-              <a:t>10/18/2020</a:t>
+              <a:t>10/21/2020</a:t>
             </a:fld>
             <a:endParaRPr lang="en-US" dirty="0"/>
           </a:p>
@@ -2327,7 +2332,7 @@
           <a:p>
             <a:fld id="{48A87A34-81AB-432B-8DAE-1953F412C126}" type="datetimeFigureOut">
               <a:rPr lang="en-US" dirty="0"/>
-              <a:t>10/18/2020</a:t>
+              <a:t>10/21/2020</a:t>
             </a:fld>
             <a:endParaRPr lang="en-US" dirty="0"/>
           </a:p>
@@ -2768,7 +2773,7 @@
             <a:fld id="{48A87A34-81AB-432B-8DAE-1953F412C126}" type="datetimeFigureOut">
               <a:rPr lang="en-US" dirty="0"/>
               <a:pPr/>
-              <a:t>10/18/2020</a:t>
+              <a:t>10/21/2020</a:t>
             </a:fld>
             <a:endParaRPr lang="en-US" dirty="0"/>
           </a:p>
@@ -3091,7 +3096,7 @@
             <a:fld id="{48A87A34-81AB-432B-8DAE-1953F412C126}" type="datetimeFigureOut">
               <a:rPr lang="en-US" dirty="0"/>
               <a:pPr/>
-              <a:t>10/18/2020</a:t>
+              <a:t>10/21/2020</a:t>
             </a:fld>
             <a:endParaRPr lang="en-US" dirty="0"/>
           </a:p>
@@ -3901,298 +3906,111 @@
           </a:fontRef>
         </p:style>
       </p:cxnSp>
-      <p:sp>
-        <p:nvSpPr>
-          <p:cNvPr id="11" name="Объект 2">
+      <p:pic>
+        <p:nvPicPr>
+          <p:cNvPr id="3" name="Рисунок 2">
             <a:extLst>
               <a:ext uri="{FF2B5EF4-FFF2-40B4-BE49-F238E27FC236}">
-                <a16:creationId xmlns:a16="http://schemas.microsoft.com/office/drawing/2014/main" id="{F21D186E-3CD9-4676-ABC9-4081659D367A}"/>
+                <a16:creationId xmlns:a16="http://schemas.microsoft.com/office/drawing/2014/main" id="{FDCCCB01-85BF-4ED4-870E-C5C140D424E0}"/>
               </a:ext>
             </a:extLst>
           </p:cNvPr>
-          <p:cNvSpPr txBox="1">
-            <a:spLocks/>
-          </p:cNvSpPr>
+          <p:cNvPicPr>
+            <a:picLocks noChangeAspect="1"/>
+          </p:cNvPicPr>
           <p:nvPr/>
-        </p:nvSpPr>
+        </p:nvPicPr>
+        <p:blipFill>
+          <a:blip r:embed="rId2"/>
+          <a:stretch>
+            <a:fillRect/>
+          </a:stretch>
+        </p:blipFill>
         <p:spPr>
           <a:xfrm>
-            <a:off x="275136" y="1519966"/>
-            <a:ext cx="8815598" cy="4829335"/>
+            <a:off x="1102310" y="1019573"/>
+            <a:ext cx="9987379" cy="5617901"/>
           </a:xfrm>
           <a:prstGeom prst="rect">
             <a:avLst/>
           </a:prstGeom>
-        </p:spPr>
-        <p:txBody>
-          <a:bodyPr>
-            <a:normAutofit/>
-          </a:bodyPr>
-          <a:lstStyle>
-            <a:lvl1pPr marL="228600" indent="-228600" algn="l" defTabSz="914400" rtl="0" eaLnBrk="1" latinLnBrk="0" hangingPunct="1">
-              <a:lnSpc>
-                <a:spcPct val="120000"/>
-              </a:lnSpc>
-              <a:spcBef>
-                <a:spcPts val="1000"/>
-              </a:spcBef>
-              <a:buClr>
-                <a:schemeClr val="accent1"/>
-              </a:buClr>
-              <a:buSzPct val="100000"/>
-              <a:buFont typeface="Arial" panose="020B0604020202020204" pitchFamily="34" charset="0"/>
-              <a:buChar char="•"/>
-              <a:defRPr sz="2000" kern="1200">
-                <a:solidFill>
-                  <a:schemeClr val="tx1"/>
-                </a:solidFill>
-                <a:effectLst/>
-                <a:latin typeface="+mn-lt"/>
-                <a:ea typeface="+mn-ea"/>
-                <a:cs typeface="+mn-cs"/>
-              </a:defRPr>
-            </a:lvl1pPr>
-            <a:lvl2pPr marL="685800" indent="-228600" algn="l" defTabSz="914400" rtl="0" eaLnBrk="1" latinLnBrk="0" hangingPunct="1">
-              <a:lnSpc>
-                <a:spcPct val="120000"/>
-              </a:lnSpc>
-              <a:spcBef>
-                <a:spcPts val="500"/>
-              </a:spcBef>
-              <a:buClr>
-                <a:schemeClr val="accent1"/>
-              </a:buClr>
-              <a:buSzPct val="100000"/>
-              <a:buFont typeface="Arial" panose="020B0604020202020204" pitchFamily="34" charset="0"/>
-              <a:buChar char="•"/>
-              <a:defRPr sz="1800" kern="1200" cap="none" baseline="0">
-                <a:solidFill>
-                  <a:schemeClr val="tx1"/>
-                </a:solidFill>
-                <a:effectLst/>
-                <a:latin typeface="+mn-lt"/>
-                <a:ea typeface="+mn-ea"/>
-                <a:cs typeface="+mn-cs"/>
-              </a:defRPr>
-            </a:lvl2pPr>
-            <a:lvl3pPr marL="1143000" indent="-228600" algn="l" defTabSz="914400" rtl="0" eaLnBrk="1" latinLnBrk="0" hangingPunct="1">
-              <a:lnSpc>
-                <a:spcPct val="120000"/>
-              </a:lnSpc>
-              <a:spcBef>
-                <a:spcPts val="500"/>
-              </a:spcBef>
-              <a:buClr>
-                <a:schemeClr val="accent1"/>
-              </a:buClr>
-              <a:buSzPct val="100000"/>
-              <a:buFont typeface="Arial" panose="020B0604020202020204" pitchFamily="34" charset="0"/>
-              <a:buChar char="•"/>
-              <a:defRPr sz="1600" kern="1200">
-                <a:solidFill>
-                  <a:schemeClr val="tx1"/>
-                </a:solidFill>
-                <a:effectLst/>
-                <a:latin typeface="+mn-lt"/>
-                <a:ea typeface="+mn-ea"/>
-                <a:cs typeface="+mn-cs"/>
-              </a:defRPr>
-            </a:lvl3pPr>
-            <a:lvl4pPr marL="1600200" indent="-228600" algn="l" defTabSz="914400" rtl="0" eaLnBrk="1" latinLnBrk="0" hangingPunct="1">
-              <a:lnSpc>
-                <a:spcPct val="120000"/>
-              </a:lnSpc>
-              <a:spcBef>
-                <a:spcPts val="500"/>
-              </a:spcBef>
-              <a:buClr>
-                <a:schemeClr val="accent1"/>
-              </a:buClr>
-              <a:buSzPct val="100000"/>
-              <a:buFont typeface="Arial" panose="020B0604020202020204" pitchFamily="34" charset="0"/>
-              <a:buChar char="•"/>
-              <a:defRPr sz="1400" kern="1200" cap="none" baseline="0">
-                <a:solidFill>
-                  <a:schemeClr val="tx1"/>
-                </a:solidFill>
-                <a:effectLst/>
-                <a:latin typeface="+mn-lt"/>
-                <a:ea typeface="+mn-ea"/>
-                <a:cs typeface="+mn-cs"/>
-              </a:defRPr>
-            </a:lvl4pPr>
-            <a:lvl5pPr marL="2057400" indent="-228600" algn="l" defTabSz="914400" rtl="0" eaLnBrk="1" latinLnBrk="0" hangingPunct="1">
-              <a:lnSpc>
-                <a:spcPct val="120000"/>
-              </a:lnSpc>
-              <a:spcBef>
-                <a:spcPts val="500"/>
-              </a:spcBef>
-              <a:buClr>
-                <a:schemeClr val="accent1"/>
-              </a:buClr>
-              <a:buSzPct val="100000"/>
-              <a:buFont typeface="Arial" panose="020B0604020202020204" pitchFamily="34" charset="0"/>
-              <a:buChar char="•"/>
-              <a:defRPr sz="1200" kern="1200">
-                <a:solidFill>
-                  <a:schemeClr val="tx1"/>
-                </a:solidFill>
-                <a:effectLst/>
-                <a:latin typeface="+mn-lt"/>
-                <a:ea typeface="+mn-ea"/>
-                <a:cs typeface="+mn-cs"/>
-              </a:defRPr>
-            </a:lvl5pPr>
-            <a:lvl6pPr marL="2514600" indent="-228600" algn="l" defTabSz="914400" rtl="0" eaLnBrk="1" latinLnBrk="0" hangingPunct="1">
-              <a:lnSpc>
-                <a:spcPct val="120000"/>
-              </a:lnSpc>
-              <a:spcBef>
-                <a:spcPts val="500"/>
-              </a:spcBef>
-              <a:buClr>
-                <a:schemeClr val="accent1"/>
-              </a:buClr>
-              <a:buSzPct val="100000"/>
-              <a:buFont typeface="Arial" panose="020B0604020202020204" pitchFamily="34" charset="0"/>
-              <a:buChar char="•"/>
-              <a:defRPr sz="1200" kern="1200">
-                <a:solidFill>
-                  <a:schemeClr val="tx1"/>
-                </a:solidFill>
-                <a:effectLst/>
-                <a:latin typeface="+mn-lt"/>
-                <a:ea typeface="+mn-ea"/>
-                <a:cs typeface="+mn-cs"/>
-              </a:defRPr>
-            </a:lvl6pPr>
-            <a:lvl7pPr marL="2971800" indent="-228600" algn="l" defTabSz="914400" rtl="0" eaLnBrk="1" latinLnBrk="0" hangingPunct="1">
-              <a:lnSpc>
-                <a:spcPct val="120000"/>
-              </a:lnSpc>
-              <a:spcBef>
-                <a:spcPts val="500"/>
-              </a:spcBef>
-              <a:buClr>
-                <a:schemeClr val="accent1"/>
-              </a:buClr>
-              <a:buSzPct val="100000"/>
-              <a:buFont typeface="Arial" panose="020B0604020202020204" pitchFamily="34" charset="0"/>
-              <a:buChar char="•"/>
-              <a:defRPr sz="1200" kern="1200">
-                <a:solidFill>
-                  <a:schemeClr val="tx1"/>
-                </a:solidFill>
-                <a:effectLst/>
-                <a:latin typeface="+mn-lt"/>
-                <a:ea typeface="+mn-ea"/>
-                <a:cs typeface="+mn-cs"/>
-              </a:defRPr>
-            </a:lvl7pPr>
-            <a:lvl8pPr marL="3429000" indent="-228600" algn="l" defTabSz="914400" rtl="0" eaLnBrk="1" latinLnBrk="0" hangingPunct="1">
-              <a:lnSpc>
-                <a:spcPct val="120000"/>
-              </a:lnSpc>
-              <a:spcBef>
-                <a:spcPts val="500"/>
-              </a:spcBef>
-              <a:buClr>
-                <a:schemeClr val="accent1"/>
-              </a:buClr>
-              <a:buSzPct val="100000"/>
-              <a:buFont typeface="Arial" panose="020B0604020202020204" pitchFamily="34" charset="0"/>
-              <a:buChar char="•"/>
-              <a:defRPr sz="1200" kern="1200" baseline="0">
-                <a:solidFill>
-                  <a:schemeClr val="tx1"/>
-                </a:solidFill>
-                <a:effectLst/>
-                <a:latin typeface="+mn-lt"/>
-                <a:ea typeface="+mn-ea"/>
-                <a:cs typeface="+mn-cs"/>
-              </a:defRPr>
-            </a:lvl8pPr>
-            <a:lvl9pPr marL="3886200" indent="-228600" algn="l" defTabSz="914400" rtl="0" eaLnBrk="1" latinLnBrk="0" hangingPunct="1">
-              <a:lnSpc>
-                <a:spcPct val="120000"/>
-              </a:lnSpc>
-              <a:spcBef>
-                <a:spcPts val="500"/>
-              </a:spcBef>
-              <a:buClr>
-                <a:schemeClr val="accent1"/>
-              </a:buClr>
-              <a:buSzPct val="100000"/>
-              <a:buFont typeface="Arial" panose="020B0604020202020204" pitchFamily="34" charset="0"/>
-              <a:buChar char="•"/>
-              <a:defRPr sz="1200" kern="1200" baseline="0">
-                <a:solidFill>
-                  <a:schemeClr val="tx1"/>
-                </a:solidFill>
-                <a:effectLst/>
-                <a:latin typeface="+mn-lt"/>
-                <a:ea typeface="+mn-ea"/>
-                <a:cs typeface="+mn-cs"/>
-              </a:defRPr>
-            </a:lvl9pPr>
-          </a:lstStyle>
-          <a:p>
-            <a:r>
-              <a:rPr lang="ru-RU" sz="2800" dirty="0">
-                <a:latin typeface="Bahnschrift Light" panose="020B0502040204020203" pitchFamily="34" charset="0"/>
-              </a:rPr>
-              <a:t>Как-то накинуть 3д модельки </a:t>
-            </a:r>
-            <a:r>
-              <a:rPr lang="ru-RU" sz="2800" dirty="0" err="1">
-                <a:latin typeface="Bahnschrift Light" panose="020B0502040204020203" pitchFamily="34" charset="0"/>
-              </a:rPr>
-              <a:t>схематочно</a:t>
-            </a:r>
-            <a:r>
-              <a:rPr lang="ru-RU" sz="2800" dirty="0">
-                <a:latin typeface="Bahnschrift Light" panose="020B0502040204020203" pitchFamily="34" charset="0"/>
-              </a:rPr>
-              <a:t> хотя бы</a:t>
-            </a:r>
-            <a:br>
-              <a:rPr lang="ru-RU" sz="2800" dirty="0">
-                <a:latin typeface="Bahnschrift Light" panose="020B0502040204020203" pitchFamily="34" charset="0"/>
-              </a:rPr>
-            </a:br>
-            <a:endParaRPr lang="ru-RU" sz="2800" dirty="0">
-              <a:latin typeface="Bahnschrift Light" panose="020B0502040204020203" pitchFamily="34" charset="0"/>
-            </a:endParaRPr>
-          </a:p>
-          <a:p>
-            <a:r>
-              <a:rPr lang="ru-RU" sz="2800" dirty="0">
-                <a:latin typeface="Bahnschrift Light" panose="020B0502040204020203" pitchFamily="34" charset="0"/>
-              </a:rPr>
-              <a:t>Напишите еще что-нибудь </a:t>
-            </a:r>
-            <a:r>
-              <a:rPr lang="ru-RU" sz="2800" dirty="0" err="1">
-                <a:latin typeface="Bahnschrift Light" panose="020B0502040204020203" pitchFamily="34" charset="0"/>
-              </a:rPr>
-              <a:t>пж</a:t>
-            </a:r>
-            <a:r>
-              <a:rPr lang="ru-RU" sz="2800" dirty="0">
-                <a:latin typeface="Bahnschrift Light" panose="020B0502040204020203" pitchFamily="34" charset="0"/>
-              </a:rPr>
-              <a:t> потом </a:t>
-            </a:r>
-            <a:r>
-              <a:rPr lang="ru-RU" sz="2800" dirty="0" err="1">
-                <a:latin typeface="Bahnschrift Light" panose="020B0502040204020203" pitchFamily="34" charset="0"/>
-              </a:rPr>
-              <a:t>отредачим</a:t>
-            </a:r>
-            <a:endParaRPr lang="ru-RU" sz="2800" dirty="0">
-              <a:latin typeface="Bahnschrift Light" panose="020B0502040204020203" pitchFamily="34" charset="0"/>
-            </a:endParaRPr>
+          <a:ln w="190500" cap="sq">
+            <a:solidFill>
+              <a:srgbClr val="C8C6BD"/>
+            </a:solidFill>
+            <a:prstDash val="solid"/>
+            <a:miter lim="800000"/>
+          </a:ln>
+          <a:effectLst>
+            <a:outerShdw blurRad="254000" algn="bl" rotWithShape="0">
+              <a:srgbClr val="000000">
+                <a:alpha val="43000"/>
+              </a:srgbClr>
+            </a:outerShdw>
+          </a:effectLst>
+          <a:scene3d>
+            <a:camera prst="perspectiveFront" fov="5400000"/>
+            <a:lightRig rig="threePt" dir="t">
+              <a:rot lat="0" lon="0" rev="2100000"/>
+            </a:lightRig>
+          </a:scene3d>
+          <a:sp3d extrusionH="25400">
+            <a:bevelT w="304800" h="152400" prst="hardEdge"/>
+            <a:extrusionClr>
+              <a:srgbClr val="000000"/>
+            </a:extrusionClr>
+          </a:sp3d>
+        </p:spPr>
+      </p:pic>
+      <p:sp>
+        <p:nvSpPr>
+          <p:cNvPr id="4" name="Прямоугольник 3">
+            <a:extLst>
+              <a:ext uri="{FF2B5EF4-FFF2-40B4-BE49-F238E27FC236}">
+                <a16:creationId xmlns:a16="http://schemas.microsoft.com/office/drawing/2014/main" id="{24B9C40E-74B7-4C42-820A-928FFA022944}"/>
+              </a:ext>
+            </a:extLst>
+          </p:cNvPr>
+          <p:cNvSpPr/>
+          <p:nvPr/>
+        </p:nvSpPr>
+        <p:spPr>
+          <a:xfrm>
+            <a:off x="9053003" y="762573"/>
+            <a:ext cx="2410288" cy="1846555"/>
+          </a:xfrm>
+          <a:prstGeom prst="rect">
+            <a:avLst/>
+          </a:prstGeom>
+          <a:noFill/>
+          <a:ln w="57150">
+            <a:solidFill>
+              <a:srgbClr val="FF0000"/>
+            </a:solidFill>
+          </a:ln>
+        </p:spPr>
+        <p:style>
+          <a:lnRef idx="2">
+            <a:schemeClr val="accent1">
+              <a:shade val="50000"/>
+            </a:schemeClr>
+          </a:lnRef>
+          <a:fillRef idx="1">
+            <a:schemeClr val="accent1"/>
+          </a:fillRef>
+          <a:effectRef idx="0">
+            <a:schemeClr val="accent1"/>
+          </a:effectRef>
+          <a:fontRef idx="minor">
+            <a:schemeClr val="lt1"/>
+          </a:fontRef>
+        </p:style>
+        <p:txBody>
+          <a:bodyPr rtlCol="0" anchor="ctr"/>
+          <a:lstStyle/>
+          <a:p>
+            <a:pPr algn="ctr"/>
+            <a:endParaRPr lang="ru-RU"/>
           </a:p>
         </p:txBody>
       </p:sp>
@@ -5227,6 +5045,47 @@
           </a:p>
         </p:txBody>
       </p:sp>
+      <p:cxnSp>
+        <p:nvCxnSpPr>
+          <p:cNvPr id="4" name="Прямая соединительная линия 3">
+            <a:extLst>
+              <a:ext uri="{FF2B5EF4-FFF2-40B4-BE49-F238E27FC236}">
+                <a16:creationId xmlns:a16="http://schemas.microsoft.com/office/drawing/2014/main" id="{0C211D4F-1FBE-4546-9E4A-BF24C458F01F}"/>
+              </a:ext>
+            </a:extLst>
+          </p:cNvPr>
+          <p:cNvCxnSpPr/>
+          <p:nvPr/>
+        </p:nvCxnSpPr>
+        <p:spPr>
+          <a:xfrm>
+            <a:off x="10635449" y="372862"/>
+            <a:ext cx="887767" cy="0"/>
+          </a:xfrm>
+          <a:prstGeom prst="line">
+            <a:avLst/>
+          </a:prstGeom>
+          <a:ln w="57150">
+            <a:solidFill>
+              <a:srgbClr val="FF0000"/>
+            </a:solidFill>
+          </a:ln>
+        </p:spPr>
+        <p:style>
+          <a:lnRef idx="1">
+            <a:schemeClr val="accent1"/>
+          </a:lnRef>
+          <a:fillRef idx="0">
+            <a:schemeClr val="accent1"/>
+          </a:fillRef>
+          <a:effectRef idx="0">
+            <a:schemeClr val="accent1"/>
+          </a:effectRef>
+          <a:fontRef idx="minor">
+            <a:schemeClr val="tx1"/>
+          </a:fontRef>
+        </p:style>
+      </p:cxnSp>
     </p:spTree>
     <p:extLst>
       <p:ext uri="{BB962C8B-B14F-4D97-AF65-F5344CB8AC3E}">
@@ -6358,10 +6217,10 @@
       </p:sp>
       <p:pic>
         <p:nvPicPr>
-          <p:cNvPr id="4" name="Рисунок 3">
+          <p:cNvPr id="5" name="Рисунок 4">
             <a:extLst>
               <a:ext uri="{FF2B5EF4-FFF2-40B4-BE49-F238E27FC236}">
-                <a16:creationId xmlns:a16="http://schemas.microsoft.com/office/drawing/2014/main" id="{5AE2E275-DA6A-49D4-8B36-F77249CEC7E9}"/>
+                <a16:creationId xmlns:a16="http://schemas.microsoft.com/office/drawing/2014/main" id="{854F1891-D0D2-413F-82CA-0AF5765AE439}"/>
               </a:ext>
             </a:extLst>
           </p:cNvPr>
@@ -6378,8 +6237,8 @@
         </p:blipFill>
         <p:spPr>
           <a:xfrm>
-            <a:off x="1420794" y="1621001"/>
-            <a:ext cx="3707122" cy="4306571"/>
+            <a:off x="7288620" y="1447725"/>
+            <a:ext cx="3429320" cy="5230072"/>
           </a:xfrm>
           <a:prstGeom prst="rect">
             <a:avLst/>
@@ -6414,10 +6273,10 @@
       </p:pic>
       <p:pic>
         <p:nvPicPr>
-          <p:cNvPr id="8" name="Рисунок 7">
+          <p:cNvPr id="9" name="Рисунок 8">
             <a:extLst>
               <a:ext uri="{FF2B5EF4-FFF2-40B4-BE49-F238E27FC236}">
-                <a16:creationId xmlns:a16="http://schemas.microsoft.com/office/drawing/2014/main" id="{33881A2C-60E7-4CE5-BDD6-7150AF04943F}"/>
+                <a16:creationId xmlns:a16="http://schemas.microsoft.com/office/drawing/2014/main" id="{5E0197EB-AA8F-48C2-994D-02AC1EAB7153}"/>
               </a:ext>
             </a:extLst>
           </p:cNvPr>
@@ -6434,8 +6293,8 @@
         </p:blipFill>
         <p:spPr>
           <a:xfrm>
-            <a:off x="6698238" y="1495180"/>
-            <a:ext cx="3646144" cy="4442057"/>
+            <a:off x="934204" y="1409621"/>
+            <a:ext cx="4594463" cy="5306281"/>
           </a:xfrm>
           <a:prstGeom prst="rect">
             <a:avLst/>
@@ -6850,10 +6709,10 @@
       </p:sp>
       <p:pic>
         <p:nvPicPr>
-          <p:cNvPr id="3" name="Рисунок 2">
+          <p:cNvPr id="10" name="Рисунок 9">
             <a:extLst>
               <a:ext uri="{FF2B5EF4-FFF2-40B4-BE49-F238E27FC236}">
-                <a16:creationId xmlns:a16="http://schemas.microsoft.com/office/drawing/2014/main" id="{38FD6DF3-D331-44AF-A31C-A5AB30836FBC}"/>
+                <a16:creationId xmlns:a16="http://schemas.microsoft.com/office/drawing/2014/main" id="{A96237B2-88DD-48B4-A029-0719FB0F95B8}"/>
               </a:ext>
             </a:extLst>
           </p:cNvPr>
@@ -6870,8 +6729,8 @@
         </p:blipFill>
         <p:spPr>
           <a:xfrm>
-            <a:off x="3576168" y="1045837"/>
-            <a:ext cx="3606659" cy="4855118"/>
+            <a:off x="202822" y="1120389"/>
+            <a:ext cx="2854223" cy="4652890"/>
           </a:xfrm>
           <a:prstGeom prst="rect">
             <a:avLst/>
@@ -6906,10 +6765,10 @@
       </p:pic>
       <p:pic>
         <p:nvPicPr>
-          <p:cNvPr id="6" name="Рисунок 5">
+          <p:cNvPr id="5" name="Рисунок 4">
             <a:extLst>
               <a:ext uri="{FF2B5EF4-FFF2-40B4-BE49-F238E27FC236}">
-                <a16:creationId xmlns:a16="http://schemas.microsoft.com/office/drawing/2014/main" id="{7194E338-62F6-4FF0-B799-E6778F5FC192}"/>
+                <a16:creationId xmlns:a16="http://schemas.microsoft.com/office/drawing/2014/main" id="{6A4F4280-91E7-4317-9ABF-827682A2B409}"/>
               </a:ext>
             </a:extLst>
           </p:cNvPr>
@@ -6926,8 +6785,8 @@
         </p:blipFill>
         <p:spPr>
           <a:xfrm>
-            <a:off x="7707298" y="1120389"/>
-            <a:ext cx="4129595" cy="4780566"/>
+            <a:off x="3319744" y="1120389"/>
+            <a:ext cx="4098620" cy="5357673"/>
           </a:xfrm>
           <a:prstGeom prst="rect">
             <a:avLst/>
@@ -6962,10 +6821,10 @@
       </p:pic>
       <p:pic>
         <p:nvPicPr>
-          <p:cNvPr id="10" name="Рисунок 9">
+          <p:cNvPr id="9" name="Рисунок 8">
             <a:extLst>
               <a:ext uri="{FF2B5EF4-FFF2-40B4-BE49-F238E27FC236}">
-                <a16:creationId xmlns:a16="http://schemas.microsoft.com/office/drawing/2014/main" id="{A96237B2-88DD-48B4-A029-0719FB0F95B8}"/>
+                <a16:creationId xmlns:a16="http://schemas.microsoft.com/office/drawing/2014/main" id="{F867FD01-B803-4966-873C-8B759EAEBFE9}"/>
               </a:ext>
             </a:extLst>
           </p:cNvPr>
@@ -6982,8 +6841,8 @@
         </p:blipFill>
         <p:spPr>
           <a:xfrm>
-            <a:off x="315000" y="1146951"/>
-            <a:ext cx="2854223" cy="4652890"/>
+            <a:off x="7547899" y="1120389"/>
+            <a:ext cx="4510936" cy="5357673"/>
           </a:xfrm>
           <a:prstGeom prst="rect">
             <a:avLst/>
@@ -8340,12 +8199,52 @@
           <a:chExt cx="0" cy="0"/>
         </a:xfrm>
       </p:grpSpPr>
+      <p:sp>
+        <p:nvSpPr>
+          <p:cNvPr id="4" name="TextBox 3">
+            <a:extLst>
+              <a:ext uri="{FF2B5EF4-FFF2-40B4-BE49-F238E27FC236}">
+                <a16:creationId xmlns:a16="http://schemas.microsoft.com/office/drawing/2014/main" id="{F467993C-1E0F-4560-9698-C2FB69F838EC}"/>
+              </a:ext>
+            </a:extLst>
+          </p:cNvPr>
+          <p:cNvSpPr txBox="1"/>
+          <p:nvPr/>
+        </p:nvSpPr>
+        <p:spPr>
+          <a:xfrm>
+            <a:off x="5159403" y="5193435"/>
+            <a:ext cx="1873189" cy="523220"/>
+          </a:xfrm>
+          <a:prstGeom prst="rect">
+            <a:avLst/>
+          </a:prstGeom>
+          <a:noFill/>
+        </p:spPr>
+        <p:txBody>
+          <a:bodyPr wrap="square" rtlCol="0">
+            <a:spAutoFit/>
+          </a:bodyPr>
+          <a:lstStyle/>
+          <a:p>
+            <a:r>
+              <a:rPr lang="en-US" sz="2800" dirty="0">
+                <a:latin typeface="Bahnschrift Light" panose="020B0502040204020203" pitchFamily="34" charset="0"/>
+              </a:rPr>
+              <a:t>GITHUB</a:t>
+            </a:r>
+            <a:endParaRPr lang="ru-RU" sz="2800" dirty="0">
+              <a:latin typeface="Bahnschrift Light" panose="020B0502040204020203" pitchFamily="34" charset="0"/>
+            </a:endParaRPr>
+          </a:p>
+        </p:txBody>
+      </p:sp>
       <p:pic>
         <p:nvPicPr>
-          <p:cNvPr id="3" name="Рисунок 2">
+          <p:cNvPr id="5" name="Рисунок 4">
             <a:extLst>
               <a:ext uri="{FF2B5EF4-FFF2-40B4-BE49-F238E27FC236}">
-                <a16:creationId xmlns:a16="http://schemas.microsoft.com/office/drawing/2014/main" id="{77665956-2BB4-4939-8145-AF407906B708}"/>
+                <a16:creationId xmlns:a16="http://schemas.microsoft.com/office/drawing/2014/main" id="{AC118391-5F16-4BD6-AAAE-B934DD53AE58}"/>
               </a:ext>
             </a:extLst>
           </p:cNvPr>
@@ -8354,16 +8253,15 @@
           </p:cNvPicPr>
           <p:nvPr/>
         </p:nvPicPr>
-        <p:blipFill>
+        <p:blipFill rotWithShape="1">
           <a:blip r:embed="rId2"/>
-          <a:stretch>
-            <a:fillRect/>
-          </a:stretch>
+          <a:srcRect b="21755"/>
+          <a:stretch/>
         </p:blipFill>
         <p:spPr>
           <a:xfrm>
-            <a:off x="458677" y="588788"/>
-            <a:ext cx="11274641" cy="4202172"/>
+            <a:off x="121324" y="347081"/>
+            <a:ext cx="11949346" cy="4766456"/>
           </a:xfrm>
           <a:prstGeom prst="rect">
             <a:avLst/>
@@ -8396,46 +8294,6 @@
           </a:sp3d>
         </p:spPr>
       </p:pic>
-      <p:sp>
-        <p:nvSpPr>
-          <p:cNvPr id="4" name="TextBox 3">
-            <a:extLst>
-              <a:ext uri="{FF2B5EF4-FFF2-40B4-BE49-F238E27FC236}">
-                <a16:creationId xmlns:a16="http://schemas.microsoft.com/office/drawing/2014/main" id="{F467993C-1E0F-4560-9698-C2FB69F838EC}"/>
-              </a:ext>
-            </a:extLst>
-          </p:cNvPr>
-          <p:cNvSpPr txBox="1"/>
-          <p:nvPr/>
-        </p:nvSpPr>
-        <p:spPr>
-          <a:xfrm>
-            <a:off x="5159404" y="5024760"/>
-            <a:ext cx="1873189" cy="523220"/>
-          </a:xfrm>
-          <a:prstGeom prst="rect">
-            <a:avLst/>
-          </a:prstGeom>
-          <a:noFill/>
-        </p:spPr>
-        <p:txBody>
-          <a:bodyPr wrap="square" rtlCol="0">
-            <a:spAutoFit/>
-          </a:bodyPr>
-          <a:lstStyle/>
-          <a:p>
-            <a:r>
-              <a:rPr lang="en-US" sz="2800" dirty="0">
-                <a:latin typeface="Bahnschrift Light" panose="020B0502040204020203" pitchFamily="34" charset="0"/>
-              </a:rPr>
-              <a:t>GITHUB</a:t>
-            </a:r>
-            <a:endParaRPr lang="ru-RU" sz="2800" dirty="0">
-              <a:latin typeface="Bahnschrift Light" panose="020B0502040204020203" pitchFamily="34" charset="0"/>
-            </a:endParaRPr>
-          </a:p>
-        </p:txBody>
-      </p:sp>
     </p:spTree>
     <p:extLst>
       <p:ext uri="{BB962C8B-B14F-4D97-AF65-F5344CB8AC3E}">

--- a/Отчет октябрь.pptx
+++ b/Отчет октябрь.pptx
@@ -261,7 +261,7 @@
           <a:p>
             <a:fld id="{48A87A34-81AB-432B-8DAE-1953F412C126}" type="datetimeFigureOut">
               <a:rPr lang="en-US" dirty="0"/>
-              <a:t>10/21/2020</a:t>
+              <a:t>10/23/2020</a:t>
             </a:fld>
             <a:endParaRPr lang="en-US" dirty="0"/>
           </a:p>
@@ -467,7 +467,7 @@
           <a:p>
             <a:fld id="{48A87A34-81AB-432B-8DAE-1953F412C126}" type="datetimeFigureOut">
               <a:rPr lang="en-US" dirty="0"/>
-              <a:t>10/21/2020</a:t>
+              <a:t>10/23/2020</a:t>
             </a:fld>
             <a:endParaRPr lang="en-US" dirty="0"/>
           </a:p>
@@ -677,7 +677,7 @@
           <a:p>
             <a:fld id="{48A87A34-81AB-432B-8DAE-1953F412C126}" type="datetimeFigureOut">
               <a:rPr lang="en-US" dirty="0"/>
-              <a:t>10/21/2020</a:t>
+              <a:t>10/23/2020</a:t>
             </a:fld>
             <a:endParaRPr lang="en-US" dirty="0"/>
           </a:p>
@@ -873,7 +873,7 @@
           <a:p>
             <a:fld id="{48A87A34-81AB-432B-8DAE-1953F412C126}" type="datetimeFigureOut">
               <a:rPr lang="en-US" dirty="0"/>
-              <a:t>10/21/2020</a:t>
+              <a:t>10/23/2020</a:t>
             </a:fld>
             <a:endParaRPr lang="en-US" dirty="0"/>
           </a:p>
@@ -1147,7 +1147,7 @@
           <a:p>
             <a:fld id="{48A87A34-81AB-432B-8DAE-1953F412C126}" type="datetimeFigureOut">
               <a:rPr lang="en-US" dirty="0"/>
-              <a:t>10/21/2020</a:t>
+              <a:t>10/23/2020</a:t>
             </a:fld>
             <a:endParaRPr lang="en-US" dirty="0"/>
           </a:p>
@@ -1410,7 +1410,7 @@
           <a:p>
             <a:fld id="{48A87A34-81AB-432B-8DAE-1953F412C126}" type="datetimeFigureOut">
               <a:rPr lang="en-US" dirty="0"/>
-              <a:t>10/21/2020</a:t>
+              <a:t>10/23/2020</a:t>
             </a:fld>
             <a:endParaRPr lang="en-US" dirty="0"/>
           </a:p>
@@ -1821,7 +1821,7 @@
           <a:p>
             <a:fld id="{48A87A34-81AB-432B-8DAE-1953F412C126}" type="datetimeFigureOut">
               <a:rPr lang="en-US" dirty="0"/>
-              <a:t>10/21/2020</a:t>
+              <a:t>10/23/2020</a:t>
             </a:fld>
             <a:endParaRPr lang="en-US" dirty="0"/>
           </a:p>
@@ -1965,7 +1965,7 @@
           <a:p>
             <a:fld id="{48A87A34-81AB-432B-8DAE-1953F412C126}" type="datetimeFigureOut">
               <a:rPr lang="en-US" dirty="0"/>
-              <a:t>10/21/2020</a:t>
+              <a:t>10/23/2020</a:t>
             </a:fld>
             <a:endParaRPr lang="en-US" dirty="0"/>
           </a:p>
@@ -2086,7 +2086,7 @@
           <a:p>
             <a:fld id="{48A87A34-81AB-432B-8DAE-1953F412C126}" type="datetimeFigureOut">
               <a:rPr lang="en-US" dirty="0"/>
-              <a:t>10/21/2020</a:t>
+              <a:t>10/23/2020</a:t>
             </a:fld>
             <a:endParaRPr lang="en-US" dirty="0"/>
           </a:p>
@@ -2332,7 +2332,7 @@
           <a:p>
             <a:fld id="{48A87A34-81AB-432B-8DAE-1953F412C126}" type="datetimeFigureOut">
               <a:rPr lang="en-US" dirty="0"/>
-              <a:t>10/21/2020</a:t>
+              <a:t>10/23/2020</a:t>
             </a:fld>
             <a:endParaRPr lang="en-US" dirty="0"/>
           </a:p>
@@ -2773,7 +2773,7 @@
             <a:fld id="{48A87A34-81AB-432B-8DAE-1953F412C126}" type="datetimeFigureOut">
               <a:rPr lang="en-US" dirty="0"/>
               <a:pPr/>
-              <a:t>10/21/2020</a:t>
+              <a:t>10/23/2020</a:t>
             </a:fld>
             <a:endParaRPr lang="en-US" dirty="0"/>
           </a:p>
@@ -3096,7 +3096,7 @@
             <a:fld id="{48A87A34-81AB-432B-8DAE-1953F412C126}" type="datetimeFigureOut">
               <a:rPr lang="en-US" dirty="0"/>
               <a:pPr/>
-              <a:t>10/21/2020</a:t>
+              <a:t>10/23/2020</a:t>
             </a:fld>
             <a:endParaRPr lang="en-US" dirty="0"/>
           </a:p>
@@ -3906,111 +3906,298 @@
           </a:fontRef>
         </p:style>
       </p:cxnSp>
-      <p:pic>
-        <p:nvPicPr>
-          <p:cNvPr id="3" name="Рисунок 2">
+      <p:sp>
+        <p:nvSpPr>
+          <p:cNvPr id="11" name="Объект 2">
             <a:extLst>
               <a:ext uri="{FF2B5EF4-FFF2-40B4-BE49-F238E27FC236}">
-                <a16:creationId xmlns:a16="http://schemas.microsoft.com/office/drawing/2014/main" id="{FDCCCB01-85BF-4ED4-870E-C5C140D424E0}"/>
+                <a16:creationId xmlns:a16="http://schemas.microsoft.com/office/drawing/2014/main" id="{F21D186E-3CD9-4676-ABC9-4081659D367A}"/>
               </a:ext>
             </a:extLst>
           </p:cNvPr>
-          <p:cNvPicPr>
-            <a:picLocks noChangeAspect="1"/>
-          </p:cNvPicPr>
+          <p:cNvSpPr txBox="1">
+            <a:spLocks/>
+          </p:cNvSpPr>
           <p:nvPr/>
-        </p:nvPicPr>
-        <p:blipFill>
-          <a:blip r:embed="rId2"/>
-          <a:stretch>
-            <a:fillRect/>
-          </a:stretch>
-        </p:blipFill>
+        </p:nvSpPr>
         <p:spPr>
           <a:xfrm>
-            <a:off x="1102310" y="1019573"/>
-            <a:ext cx="9987379" cy="5617901"/>
+            <a:off x="275136" y="1519966"/>
+            <a:ext cx="8815598" cy="4829335"/>
           </a:xfrm>
           <a:prstGeom prst="rect">
             <a:avLst/>
           </a:prstGeom>
-          <a:ln w="190500" cap="sq">
-            <a:solidFill>
-              <a:srgbClr val="C8C6BD"/>
-            </a:solidFill>
-            <a:prstDash val="solid"/>
-            <a:miter lim="800000"/>
-          </a:ln>
-          <a:effectLst>
-            <a:outerShdw blurRad="254000" algn="bl" rotWithShape="0">
-              <a:srgbClr val="000000">
-                <a:alpha val="43000"/>
-              </a:srgbClr>
-            </a:outerShdw>
-          </a:effectLst>
-          <a:scene3d>
-            <a:camera prst="perspectiveFront" fov="5400000"/>
-            <a:lightRig rig="threePt" dir="t">
-              <a:rot lat="0" lon="0" rev="2100000"/>
-            </a:lightRig>
-          </a:scene3d>
-          <a:sp3d extrusionH="25400">
-            <a:bevelT w="304800" h="152400" prst="hardEdge"/>
-            <a:extrusionClr>
-              <a:srgbClr val="000000"/>
-            </a:extrusionClr>
-          </a:sp3d>
-        </p:spPr>
-      </p:pic>
-      <p:sp>
-        <p:nvSpPr>
-          <p:cNvPr id="4" name="Прямоугольник 3">
-            <a:extLst>
-              <a:ext uri="{FF2B5EF4-FFF2-40B4-BE49-F238E27FC236}">
-                <a16:creationId xmlns:a16="http://schemas.microsoft.com/office/drawing/2014/main" id="{24B9C40E-74B7-4C42-820A-928FFA022944}"/>
-              </a:ext>
-            </a:extLst>
-          </p:cNvPr>
-          <p:cNvSpPr/>
-          <p:nvPr/>
-        </p:nvSpPr>
-        <p:spPr>
-          <a:xfrm>
-            <a:off x="9053003" y="762573"/>
-            <a:ext cx="2410288" cy="1846555"/>
-          </a:xfrm>
-          <a:prstGeom prst="rect">
-            <a:avLst/>
-          </a:prstGeom>
-          <a:noFill/>
-          <a:ln w="57150">
-            <a:solidFill>
-              <a:srgbClr val="FF0000"/>
-            </a:solidFill>
-          </a:ln>
-        </p:spPr>
-        <p:style>
-          <a:lnRef idx="2">
-            <a:schemeClr val="accent1">
-              <a:shade val="50000"/>
-            </a:schemeClr>
-          </a:lnRef>
-          <a:fillRef idx="1">
-            <a:schemeClr val="accent1"/>
-          </a:fillRef>
-          <a:effectRef idx="0">
-            <a:schemeClr val="accent1"/>
-          </a:effectRef>
-          <a:fontRef idx="minor">
-            <a:schemeClr val="lt1"/>
-          </a:fontRef>
-        </p:style>
+        </p:spPr>
         <p:txBody>
-          <a:bodyPr rtlCol="0" anchor="ctr"/>
-          <a:lstStyle/>
-          <a:p>
-            <a:pPr algn="ctr"/>
-            <a:endParaRPr lang="ru-RU"/>
+          <a:bodyPr>
+            <a:normAutofit/>
+          </a:bodyPr>
+          <a:lstStyle>
+            <a:lvl1pPr marL="228600" indent="-228600" algn="l" defTabSz="914400" rtl="0" eaLnBrk="1" latinLnBrk="0" hangingPunct="1">
+              <a:lnSpc>
+                <a:spcPct val="120000"/>
+              </a:lnSpc>
+              <a:spcBef>
+                <a:spcPts val="1000"/>
+              </a:spcBef>
+              <a:buClr>
+                <a:schemeClr val="accent1"/>
+              </a:buClr>
+              <a:buSzPct val="100000"/>
+              <a:buFont typeface="Arial" panose="020B0604020202020204" pitchFamily="34" charset="0"/>
+              <a:buChar char="•"/>
+              <a:defRPr sz="2000" kern="1200">
+                <a:solidFill>
+                  <a:schemeClr val="tx1"/>
+                </a:solidFill>
+                <a:effectLst/>
+                <a:latin typeface="+mn-lt"/>
+                <a:ea typeface="+mn-ea"/>
+                <a:cs typeface="+mn-cs"/>
+              </a:defRPr>
+            </a:lvl1pPr>
+            <a:lvl2pPr marL="685800" indent="-228600" algn="l" defTabSz="914400" rtl="0" eaLnBrk="1" latinLnBrk="0" hangingPunct="1">
+              <a:lnSpc>
+                <a:spcPct val="120000"/>
+              </a:lnSpc>
+              <a:spcBef>
+                <a:spcPts val="500"/>
+              </a:spcBef>
+              <a:buClr>
+                <a:schemeClr val="accent1"/>
+              </a:buClr>
+              <a:buSzPct val="100000"/>
+              <a:buFont typeface="Arial" panose="020B0604020202020204" pitchFamily="34" charset="0"/>
+              <a:buChar char="•"/>
+              <a:defRPr sz="1800" kern="1200" cap="none" baseline="0">
+                <a:solidFill>
+                  <a:schemeClr val="tx1"/>
+                </a:solidFill>
+                <a:effectLst/>
+                <a:latin typeface="+mn-lt"/>
+                <a:ea typeface="+mn-ea"/>
+                <a:cs typeface="+mn-cs"/>
+              </a:defRPr>
+            </a:lvl2pPr>
+            <a:lvl3pPr marL="1143000" indent="-228600" algn="l" defTabSz="914400" rtl="0" eaLnBrk="1" latinLnBrk="0" hangingPunct="1">
+              <a:lnSpc>
+                <a:spcPct val="120000"/>
+              </a:lnSpc>
+              <a:spcBef>
+                <a:spcPts val="500"/>
+              </a:spcBef>
+              <a:buClr>
+                <a:schemeClr val="accent1"/>
+              </a:buClr>
+              <a:buSzPct val="100000"/>
+              <a:buFont typeface="Arial" panose="020B0604020202020204" pitchFamily="34" charset="0"/>
+              <a:buChar char="•"/>
+              <a:defRPr sz="1600" kern="1200">
+                <a:solidFill>
+                  <a:schemeClr val="tx1"/>
+                </a:solidFill>
+                <a:effectLst/>
+                <a:latin typeface="+mn-lt"/>
+                <a:ea typeface="+mn-ea"/>
+                <a:cs typeface="+mn-cs"/>
+              </a:defRPr>
+            </a:lvl3pPr>
+            <a:lvl4pPr marL="1600200" indent="-228600" algn="l" defTabSz="914400" rtl="0" eaLnBrk="1" latinLnBrk="0" hangingPunct="1">
+              <a:lnSpc>
+                <a:spcPct val="120000"/>
+              </a:lnSpc>
+              <a:spcBef>
+                <a:spcPts val="500"/>
+              </a:spcBef>
+              <a:buClr>
+                <a:schemeClr val="accent1"/>
+              </a:buClr>
+              <a:buSzPct val="100000"/>
+              <a:buFont typeface="Arial" panose="020B0604020202020204" pitchFamily="34" charset="0"/>
+              <a:buChar char="•"/>
+              <a:defRPr sz="1400" kern="1200" cap="none" baseline="0">
+                <a:solidFill>
+                  <a:schemeClr val="tx1"/>
+                </a:solidFill>
+                <a:effectLst/>
+                <a:latin typeface="+mn-lt"/>
+                <a:ea typeface="+mn-ea"/>
+                <a:cs typeface="+mn-cs"/>
+              </a:defRPr>
+            </a:lvl4pPr>
+            <a:lvl5pPr marL="2057400" indent="-228600" algn="l" defTabSz="914400" rtl="0" eaLnBrk="1" latinLnBrk="0" hangingPunct="1">
+              <a:lnSpc>
+                <a:spcPct val="120000"/>
+              </a:lnSpc>
+              <a:spcBef>
+                <a:spcPts val="500"/>
+              </a:spcBef>
+              <a:buClr>
+                <a:schemeClr val="accent1"/>
+              </a:buClr>
+              <a:buSzPct val="100000"/>
+              <a:buFont typeface="Arial" panose="020B0604020202020204" pitchFamily="34" charset="0"/>
+              <a:buChar char="•"/>
+              <a:defRPr sz="1200" kern="1200">
+                <a:solidFill>
+                  <a:schemeClr val="tx1"/>
+                </a:solidFill>
+                <a:effectLst/>
+                <a:latin typeface="+mn-lt"/>
+                <a:ea typeface="+mn-ea"/>
+                <a:cs typeface="+mn-cs"/>
+              </a:defRPr>
+            </a:lvl5pPr>
+            <a:lvl6pPr marL="2514600" indent="-228600" algn="l" defTabSz="914400" rtl="0" eaLnBrk="1" latinLnBrk="0" hangingPunct="1">
+              <a:lnSpc>
+                <a:spcPct val="120000"/>
+              </a:lnSpc>
+              <a:spcBef>
+                <a:spcPts val="500"/>
+              </a:spcBef>
+              <a:buClr>
+                <a:schemeClr val="accent1"/>
+              </a:buClr>
+              <a:buSzPct val="100000"/>
+              <a:buFont typeface="Arial" panose="020B0604020202020204" pitchFamily="34" charset="0"/>
+              <a:buChar char="•"/>
+              <a:defRPr sz="1200" kern="1200">
+                <a:solidFill>
+                  <a:schemeClr val="tx1"/>
+                </a:solidFill>
+                <a:effectLst/>
+                <a:latin typeface="+mn-lt"/>
+                <a:ea typeface="+mn-ea"/>
+                <a:cs typeface="+mn-cs"/>
+              </a:defRPr>
+            </a:lvl6pPr>
+            <a:lvl7pPr marL="2971800" indent="-228600" algn="l" defTabSz="914400" rtl="0" eaLnBrk="1" latinLnBrk="0" hangingPunct="1">
+              <a:lnSpc>
+                <a:spcPct val="120000"/>
+              </a:lnSpc>
+              <a:spcBef>
+                <a:spcPts val="500"/>
+              </a:spcBef>
+              <a:buClr>
+                <a:schemeClr val="accent1"/>
+              </a:buClr>
+              <a:buSzPct val="100000"/>
+              <a:buFont typeface="Arial" panose="020B0604020202020204" pitchFamily="34" charset="0"/>
+              <a:buChar char="•"/>
+              <a:defRPr sz="1200" kern="1200">
+                <a:solidFill>
+                  <a:schemeClr val="tx1"/>
+                </a:solidFill>
+                <a:effectLst/>
+                <a:latin typeface="+mn-lt"/>
+                <a:ea typeface="+mn-ea"/>
+                <a:cs typeface="+mn-cs"/>
+              </a:defRPr>
+            </a:lvl7pPr>
+            <a:lvl8pPr marL="3429000" indent="-228600" algn="l" defTabSz="914400" rtl="0" eaLnBrk="1" latinLnBrk="0" hangingPunct="1">
+              <a:lnSpc>
+                <a:spcPct val="120000"/>
+              </a:lnSpc>
+              <a:spcBef>
+                <a:spcPts val="500"/>
+              </a:spcBef>
+              <a:buClr>
+                <a:schemeClr val="accent1"/>
+              </a:buClr>
+              <a:buSzPct val="100000"/>
+              <a:buFont typeface="Arial" panose="020B0604020202020204" pitchFamily="34" charset="0"/>
+              <a:buChar char="•"/>
+              <a:defRPr sz="1200" kern="1200" baseline="0">
+                <a:solidFill>
+                  <a:schemeClr val="tx1"/>
+                </a:solidFill>
+                <a:effectLst/>
+                <a:latin typeface="+mn-lt"/>
+                <a:ea typeface="+mn-ea"/>
+                <a:cs typeface="+mn-cs"/>
+              </a:defRPr>
+            </a:lvl8pPr>
+            <a:lvl9pPr marL="3886200" indent="-228600" algn="l" defTabSz="914400" rtl="0" eaLnBrk="1" latinLnBrk="0" hangingPunct="1">
+              <a:lnSpc>
+                <a:spcPct val="120000"/>
+              </a:lnSpc>
+              <a:spcBef>
+                <a:spcPts val="500"/>
+              </a:spcBef>
+              <a:buClr>
+                <a:schemeClr val="accent1"/>
+              </a:buClr>
+              <a:buSzPct val="100000"/>
+              <a:buFont typeface="Arial" panose="020B0604020202020204" pitchFamily="34" charset="0"/>
+              <a:buChar char="•"/>
+              <a:defRPr sz="1200" kern="1200" baseline="0">
+                <a:solidFill>
+                  <a:schemeClr val="tx1"/>
+                </a:solidFill>
+                <a:effectLst/>
+                <a:latin typeface="+mn-lt"/>
+                <a:ea typeface="+mn-ea"/>
+                <a:cs typeface="+mn-cs"/>
+              </a:defRPr>
+            </a:lvl9pPr>
+          </a:lstStyle>
+          <a:p>
+            <a:r>
+              <a:rPr lang="ru-RU" sz="2800" dirty="0">
+                <a:latin typeface="Bahnschrift Light" panose="020B0502040204020203" pitchFamily="34" charset="0"/>
+              </a:rPr>
+              <a:t>Как-то накинуть 3д модельки </a:t>
+            </a:r>
+            <a:r>
+              <a:rPr lang="ru-RU" sz="2800" dirty="0" err="1">
+                <a:latin typeface="Bahnschrift Light" panose="020B0502040204020203" pitchFamily="34" charset="0"/>
+              </a:rPr>
+              <a:t>схематочно</a:t>
+            </a:r>
+            <a:r>
+              <a:rPr lang="ru-RU" sz="2800" dirty="0">
+                <a:latin typeface="Bahnschrift Light" panose="020B0502040204020203" pitchFamily="34" charset="0"/>
+              </a:rPr>
+              <a:t> хотя бы</a:t>
+            </a:r>
+            <a:br>
+              <a:rPr lang="ru-RU" sz="2800" dirty="0">
+                <a:latin typeface="Bahnschrift Light" panose="020B0502040204020203" pitchFamily="34" charset="0"/>
+              </a:rPr>
+            </a:br>
+            <a:endParaRPr lang="ru-RU" sz="2800" dirty="0">
+              <a:latin typeface="Bahnschrift Light" panose="020B0502040204020203" pitchFamily="34" charset="0"/>
+            </a:endParaRPr>
+          </a:p>
+          <a:p>
+            <a:r>
+              <a:rPr lang="ru-RU" sz="2800" dirty="0">
+                <a:latin typeface="Bahnschrift Light" panose="020B0502040204020203" pitchFamily="34" charset="0"/>
+              </a:rPr>
+              <a:t>Напишите еще что-нибудь </a:t>
+            </a:r>
+            <a:r>
+              <a:rPr lang="ru-RU" sz="2800" dirty="0" err="1">
+                <a:latin typeface="Bahnschrift Light" panose="020B0502040204020203" pitchFamily="34" charset="0"/>
+              </a:rPr>
+              <a:t>пж</a:t>
+            </a:r>
+            <a:r>
+              <a:rPr lang="ru-RU" sz="2800" dirty="0">
+                <a:latin typeface="Bahnschrift Light" panose="020B0502040204020203" pitchFamily="34" charset="0"/>
+              </a:rPr>
+              <a:t> потом </a:t>
+            </a:r>
+            <a:r>
+              <a:rPr lang="ru-RU" sz="2800" dirty="0" err="1">
+                <a:latin typeface="Bahnschrift Light" panose="020B0502040204020203" pitchFamily="34" charset="0"/>
+              </a:rPr>
+              <a:t>отредачим</a:t>
+            </a:r>
+            <a:endParaRPr lang="ru-RU" sz="2800" dirty="0">
+              <a:latin typeface="Bahnschrift Light" panose="020B0502040204020203" pitchFamily="34" charset="0"/>
+            </a:endParaRPr>
           </a:p>
         </p:txBody>
       </p:sp>
@@ -5045,47 +5232,6 @@
           </a:p>
         </p:txBody>
       </p:sp>
-      <p:cxnSp>
-        <p:nvCxnSpPr>
-          <p:cNvPr id="4" name="Прямая соединительная линия 3">
-            <a:extLst>
-              <a:ext uri="{FF2B5EF4-FFF2-40B4-BE49-F238E27FC236}">
-                <a16:creationId xmlns:a16="http://schemas.microsoft.com/office/drawing/2014/main" id="{0C211D4F-1FBE-4546-9E4A-BF24C458F01F}"/>
-              </a:ext>
-            </a:extLst>
-          </p:cNvPr>
-          <p:cNvCxnSpPr/>
-          <p:nvPr/>
-        </p:nvCxnSpPr>
-        <p:spPr>
-          <a:xfrm>
-            <a:off x="10635449" y="372862"/>
-            <a:ext cx="887767" cy="0"/>
-          </a:xfrm>
-          <a:prstGeom prst="line">
-            <a:avLst/>
-          </a:prstGeom>
-          <a:ln w="57150">
-            <a:solidFill>
-              <a:srgbClr val="FF0000"/>
-            </a:solidFill>
-          </a:ln>
-        </p:spPr>
-        <p:style>
-          <a:lnRef idx="1">
-            <a:schemeClr val="accent1"/>
-          </a:lnRef>
-          <a:fillRef idx="0">
-            <a:schemeClr val="accent1"/>
-          </a:fillRef>
-          <a:effectRef idx="0">
-            <a:schemeClr val="accent1"/>
-          </a:effectRef>
-          <a:fontRef idx="minor">
-            <a:schemeClr val="tx1"/>
-          </a:fontRef>
-        </p:style>
-      </p:cxnSp>
     </p:spTree>
     <p:extLst>
       <p:ext uri="{BB962C8B-B14F-4D97-AF65-F5344CB8AC3E}">
@@ -6217,10 +6363,10 @@
       </p:sp>
       <p:pic>
         <p:nvPicPr>
-          <p:cNvPr id="5" name="Рисунок 4">
+          <p:cNvPr id="4" name="Рисунок 3">
             <a:extLst>
               <a:ext uri="{FF2B5EF4-FFF2-40B4-BE49-F238E27FC236}">
-                <a16:creationId xmlns:a16="http://schemas.microsoft.com/office/drawing/2014/main" id="{854F1891-D0D2-413F-82CA-0AF5765AE439}"/>
+                <a16:creationId xmlns:a16="http://schemas.microsoft.com/office/drawing/2014/main" id="{5AE2E275-DA6A-49D4-8B36-F77249CEC7E9}"/>
               </a:ext>
             </a:extLst>
           </p:cNvPr>
@@ -6237,8 +6383,8 @@
         </p:blipFill>
         <p:spPr>
           <a:xfrm>
-            <a:off x="7288620" y="1447725"/>
-            <a:ext cx="3429320" cy="5230072"/>
+            <a:off x="1420794" y="1621001"/>
+            <a:ext cx="3707122" cy="4306571"/>
           </a:xfrm>
           <a:prstGeom prst="rect">
             <a:avLst/>
@@ -6273,10 +6419,10 @@
       </p:pic>
       <p:pic>
         <p:nvPicPr>
-          <p:cNvPr id="9" name="Рисунок 8">
+          <p:cNvPr id="8" name="Рисунок 7">
             <a:extLst>
               <a:ext uri="{FF2B5EF4-FFF2-40B4-BE49-F238E27FC236}">
-                <a16:creationId xmlns:a16="http://schemas.microsoft.com/office/drawing/2014/main" id="{5E0197EB-AA8F-48C2-994D-02AC1EAB7153}"/>
+                <a16:creationId xmlns:a16="http://schemas.microsoft.com/office/drawing/2014/main" id="{33881A2C-60E7-4CE5-BDD6-7150AF04943F}"/>
               </a:ext>
             </a:extLst>
           </p:cNvPr>
@@ -6293,8 +6439,8 @@
         </p:blipFill>
         <p:spPr>
           <a:xfrm>
-            <a:off x="934204" y="1409621"/>
-            <a:ext cx="4594463" cy="5306281"/>
+            <a:off x="6698238" y="1495180"/>
+            <a:ext cx="3646144" cy="4442057"/>
           </a:xfrm>
           <a:prstGeom prst="rect">
             <a:avLst/>
@@ -6709,10 +6855,10 @@
       </p:sp>
       <p:pic>
         <p:nvPicPr>
-          <p:cNvPr id="10" name="Рисунок 9">
+          <p:cNvPr id="3" name="Рисунок 2">
             <a:extLst>
               <a:ext uri="{FF2B5EF4-FFF2-40B4-BE49-F238E27FC236}">
-                <a16:creationId xmlns:a16="http://schemas.microsoft.com/office/drawing/2014/main" id="{A96237B2-88DD-48B4-A029-0719FB0F95B8}"/>
+                <a16:creationId xmlns:a16="http://schemas.microsoft.com/office/drawing/2014/main" id="{38FD6DF3-D331-44AF-A31C-A5AB30836FBC}"/>
               </a:ext>
             </a:extLst>
           </p:cNvPr>
@@ -6729,8 +6875,8 @@
         </p:blipFill>
         <p:spPr>
           <a:xfrm>
-            <a:off x="202822" y="1120389"/>
-            <a:ext cx="2854223" cy="4652890"/>
+            <a:off x="3576168" y="1045837"/>
+            <a:ext cx="3606659" cy="4855118"/>
           </a:xfrm>
           <a:prstGeom prst="rect">
             <a:avLst/>
@@ -6765,10 +6911,10 @@
       </p:pic>
       <p:pic>
         <p:nvPicPr>
-          <p:cNvPr id="5" name="Рисунок 4">
+          <p:cNvPr id="6" name="Рисунок 5">
             <a:extLst>
               <a:ext uri="{FF2B5EF4-FFF2-40B4-BE49-F238E27FC236}">
-                <a16:creationId xmlns:a16="http://schemas.microsoft.com/office/drawing/2014/main" id="{6A4F4280-91E7-4317-9ABF-827682A2B409}"/>
+                <a16:creationId xmlns:a16="http://schemas.microsoft.com/office/drawing/2014/main" id="{7194E338-62F6-4FF0-B799-E6778F5FC192}"/>
               </a:ext>
             </a:extLst>
           </p:cNvPr>
@@ -6785,8 +6931,8 @@
         </p:blipFill>
         <p:spPr>
           <a:xfrm>
-            <a:off x="3319744" y="1120389"/>
-            <a:ext cx="4098620" cy="5357673"/>
+            <a:off x="7707298" y="1120389"/>
+            <a:ext cx="4129595" cy="4780566"/>
           </a:xfrm>
           <a:prstGeom prst="rect">
             <a:avLst/>
@@ -6821,10 +6967,10 @@
       </p:pic>
       <p:pic>
         <p:nvPicPr>
-          <p:cNvPr id="9" name="Рисунок 8">
+          <p:cNvPr id="10" name="Рисунок 9">
             <a:extLst>
               <a:ext uri="{FF2B5EF4-FFF2-40B4-BE49-F238E27FC236}">
-                <a16:creationId xmlns:a16="http://schemas.microsoft.com/office/drawing/2014/main" id="{F867FD01-B803-4966-873C-8B759EAEBFE9}"/>
+                <a16:creationId xmlns:a16="http://schemas.microsoft.com/office/drawing/2014/main" id="{A96237B2-88DD-48B4-A029-0719FB0F95B8}"/>
               </a:ext>
             </a:extLst>
           </p:cNvPr>
@@ -6841,8 +6987,8 @@
         </p:blipFill>
         <p:spPr>
           <a:xfrm>
-            <a:off x="7547899" y="1120389"/>
-            <a:ext cx="4510936" cy="5357673"/>
+            <a:off x="315000" y="1146951"/>
+            <a:ext cx="2854223" cy="4652890"/>
           </a:xfrm>
           <a:prstGeom prst="rect">
             <a:avLst/>
@@ -7052,7 +7198,7 @@
         </p:spPr>
         <p:txBody>
           <a:bodyPr>
-            <a:normAutofit/>
+            <a:normAutofit fontScale="70000" lnSpcReduction="20000"/>
           </a:bodyPr>
           <a:lstStyle>
             <a:lvl1pPr marL="228600" indent="-228600" algn="l" defTabSz="914400" rtl="0" eaLnBrk="1" latinLnBrk="0" hangingPunct="1">
@@ -7268,7 +7414,63 @@
               <a:rPr lang="ru-RU" sz="2800" dirty="0">
                 <a:latin typeface="Bahnschrift Light" panose="020B0502040204020203" pitchFamily="34" charset="0"/>
               </a:rPr>
-              <a:t>текст</a:t>
+              <a:t>Была полностью реализована система переходов между сценами</a:t>
+            </a:r>
+            <a:r>
+              <a:rPr lang="en-US" sz="2800" dirty="0">
+                <a:latin typeface="Bahnschrift Light" panose="020B0502040204020203" pitchFamily="34" charset="0"/>
+              </a:rPr>
+              <a:t>, </a:t>
+            </a:r>
+            <a:r>
+              <a:rPr lang="ru-RU" sz="2800" dirty="0">
+                <a:latin typeface="Bahnschrift Light" panose="020B0502040204020203" pitchFamily="34" charset="0"/>
+              </a:rPr>
+              <a:t>связанными с регистрацией и восстановлением пароля (отсутствуют авторизация и прочие процессы</a:t>
+            </a:r>
+            <a:r>
+              <a:rPr lang="en-US" sz="2800" dirty="0">
+                <a:latin typeface="Bahnschrift Light" panose="020B0502040204020203" pitchFamily="34" charset="0"/>
+              </a:rPr>
+              <a:t>, </a:t>
+            </a:r>
+            <a:r>
+              <a:rPr lang="ru-RU" sz="2800" dirty="0">
+                <a:latin typeface="Bahnschrift Light" panose="020B0502040204020203" pitchFamily="34" charset="0"/>
+              </a:rPr>
+              <a:t>связанные с базами данных и сервером)</a:t>
+            </a:r>
+          </a:p>
+          <a:p>
+            <a:r>
+              <a:rPr lang="ru-RU" sz="2800" dirty="0">
+                <a:latin typeface="Bahnschrift Light" panose="020B0502040204020203" pitchFamily="34" charset="0"/>
+              </a:rPr>
+              <a:t>Реализована загрузка меню выбора игр (на данный момент нет привязки к серверу</a:t>
+            </a:r>
+            <a:r>
+              <a:rPr lang="en-US" sz="2800" dirty="0">
+                <a:latin typeface="Bahnschrift Light" panose="020B0502040204020203" pitchFamily="34" charset="0"/>
+              </a:rPr>
+              <a:t>, </a:t>
+            </a:r>
+            <a:r>
+              <a:rPr lang="ru-RU" sz="2800" dirty="0">
+                <a:latin typeface="Bahnschrift Light" panose="020B0502040204020203" pitchFamily="34" charset="0"/>
+              </a:rPr>
+              <a:t>поэтому вместо картинок с играми имеются только </a:t>
+            </a:r>
+            <a:r>
+              <a:rPr lang="ru-RU" sz="2800" dirty="0" err="1">
+                <a:latin typeface="Bahnschrift Light" panose="020B0502040204020203" pitchFamily="34" charset="0"/>
+              </a:rPr>
+              <a:t>плейсхолдеры</a:t>
+            </a:r>
+            <a:r>
+              <a:rPr lang="ru-RU" sz="2800" dirty="0">
+                <a:latin typeface="Bahnschrift Light" panose="020B0502040204020203" pitchFamily="34" charset="0"/>
+              </a:rPr>
+              <a:t> и тексты на кнопках являются тестовыми)</a:t>
             </a:r>
           </a:p>
         </p:txBody>
@@ -7514,14 +7716,203 @@
               <a:buNone/>
             </a:pPr>
             <a:r>
-              <a:rPr lang="ru-RU" sz="3200" dirty="0">
+              <a:rPr lang="en-US" sz="3200" dirty="0">
                 <a:latin typeface="Bahnschrift Light" panose="020B0502040204020203" pitchFamily="34" charset="0"/>
               </a:rPr>
-              <a:t>Технология (по желанию)</a:t>
-            </a:r>
+              <a:t>Godot Engine, </a:t>
+            </a:r>
+            <a:r>
+              <a:rPr lang="en-US" sz="3200" dirty="0" err="1">
+                <a:latin typeface="Bahnschrift Light" panose="020B0502040204020203" pitchFamily="34" charset="0"/>
+              </a:rPr>
+              <a:t>GDScript</a:t>
+            </a:r>
+            <a:endParaRPr lang="ru-RU" sz="3200" dirty="0">
+              <a:latin typeface="Bahnschrift Light" panose="020B0502040204020203" pitchFamily="34" charset="0"/>
+            </a:endParaRPr>
           </a:p>
         </p:txBody>
       </p:sp>
+      <p:pic>
+        <p:nvPicPr>
+          <p:cNvPr id="3" name="Рисунок 2">
+            <a:extLst>
+              <a:ext uri="{FF2B5EF4-FFF2-40B4-BE49-F238E27FC236}">
+                <a16:creationId xmlns:a16="http://schemas.microsoft.com/office/drawing/2014/main" id="{45893745-E1B7-4C9C-94B2-E8EF31EF8780}"/>
+              </a:ext>
+            </a:extLst>
+          </p:cNvPr>
+          <p:cNvPicPr>
+            <a:picLocks noChangeAspect="1"/>
+          </p:cNvPicPr>
+          <p:nvPr/>
+        </p:nvPicPr>
+        <p:blipFill>
+          <a:blip r:embed="rId2"/>
+          <a:stretch>
+            <a:fillRect/>
+          </a:stretch>
+        </p:blipFill>
+        <p:spPr>
+          <a:xfrm>
+            <a:off x="5663954" y="1269761"/>
+            <a:ext cx="1118537" cy="1969813"/>
+          </a:xfrm>
+          <a:prstGeom prst="rect">
+            <a:avLst/>
+          </a:prstGeom>
+        </p:spPr>
+      </p:pic>
+      <p:pic>
+        <p:nvPicPr>
+          <p:cNvPr id="4" name="Рисунок 3">
+            <a:extLst>
+              <a:ext uri="{FF2B5EF4-FFF2-40B4-BE49-F238E27FC236}">
+                <a16:creationId xmlns:a16="http://schemas.microsoft.com/office/drawing/2014/main" id="{04E39D74-DE43-4C1C-9502-1E96C4FB1E6D}"/>
+              </a:ext>
+            </a:extLst>
+          </p:cNvPr>
+          <p:cNvPicPr>
+            <a:picLocks noChangeAspect="1"/>
+          </p:cNvPicPr>
+          <p:nvPr/>
+        </p:nvPicPr>
+        <p:blipFill>
+          <a:blip r:embed="rId3"/>
+          <a:stretch>
+            <a:fillRect/>
+          </a:stretch>
+        </p:blipFill>
+        <p:spPr>
+          <a:xfrm>
+            <a:off x="7763547" y="1269761"/>
+            <a:ext cx="1118537" cy="1989172"/>
+          </a:xfrm>
+          <a:prstGeom prst="rect">
+            <a:avLst/>
+          </a:prstGeom>
+        </p:spPr>
+      </p:pic>
+      <p:pic>
+        <p:nvPicPr>
+          <p:cNvPr id="5" name="Рисунок 4">
+            <a:extLst>
+              <a:ext uri="{FF2B5EF4-FFF2-40B4-BE49-F238E27FC236}">
+                <a16:creationId xmlns:a16="http://schemas.microsoft.com/office/drawing/2014/main" id="{12C97035-B988-4855-96ED-080078463B37}"/>
+              </a:ext>
+            </a:extLst>
+          </p:cNvPr>
+          <p:cNvPicPr>
+            <a:picLocks noChangeAspect="1"/>
+          </p:cNvPicPr>
+          <p:nvPr/>
+        </p:nvPicPr>
+        <p:blipFill>
+          <a:blip r:embed="rId4"/>
+          <a:stretch>
+            <a:fillRect/>
+          </a:stretch>
+        </p:blipFill>
+        <p:spPr>
+          <a:xfrm>
+            <a:off x="9867680" y="1270423"/>
+            <a:ext cx="1118537" cy="1988510"/>
+          </a:xfrm>
+          <a:prstGeom prst="rect">
+            <a:avLst/>
+          </a:prstGeom>
+        </p:spPr>
+      </p:pic>
+      <p:pic>
+        <p:nvPicPr>
+          <p:cNvPr id="6" name="Рисунок 5">
+            <a:extLst>
+              <a:ext uri="{FF2B5EF4-FFF2-40B4-BE49-F238E27FC236}">
+                <a16:creationId xmlns:a16="http://schemas.microsoft.com/office/drawing/2014/main" id="{0082000E-25F1-42BC-BE18-5484E45F1B35}"/>
+              </a:ext>
+            </a:extLst>
+          </p:cNvPr>
+          <p:cNvPicPr>
+            <a:picLocks noChangeAspect="1"/>
+          </p:cNvPicPr>
+          <p:nvPr/>
+        </p:nvPicPr>
+        <p:blipFill>
+          <a:blip r:embed="rId5"/>
+          <a:stretch>
+            <a:fillRect/>
+          </a:stretch>
+        </p:blipFill>
+        <p:spPr>
+          <a:xfrm>
+            <a:off x="5679842" y="3687327"/>
+            <a:ext cx="1102649" cy="1989172"/>
+          </a:xfrm>
+          <a:prstGeom prst="rect">
+            <a:avLst/>
+          </a:prstGeom>
+        </p:spPr>
+      </p:pic>
+      <p:pic>
+        <p:nvPicPr>
+          <p:cNvPr id="8" name="Рисунок 7">
+            <a:extLst>
+              <a:ext uri="{FF2B5EF4-FFF2-40B4-BE49-F238E27FC236}">
+                <a16:creationId xmlns:a16="http://schemas.microsoft.com/office/drawing/2014/main" id="{AE50AED3-4387-428C-8683-932A65244F0E}"/>
+              </a:ext>
+            </a:extLst>
+          </p:cNvPr>
+          <p:cNvPicPr>
+            <a:picLocks noChangeAspect="1"/>
+          </p:cNvPicPr>
+          <p:nvPr/>
+        </p:nvPicPr>
+        <p:blipFill>
+          <a:blip r:embed="rId6"/>
+          <a:stretch>
+            <a:fillRect/>
+          </a:stretch>
+        </p:blipFill>
+        <p:spPr>
+          <a:xfrm>
+            <a:off x="7763547" y="3706690"/>
+            <a:ext cx="1118536" cy="1969809"/>
+          </a:xfrm>
+          <a:prstGeom prst="rect">
+            <a:avLst/>
+          </a:prstGeom>
+        </p:spPr>
+      </p:pic>
+      <p:pic>
+        <p:nvPicPr>
+          <p:cNvPr id="9" name="Рисунок 8">
+            <a:extLst>
+              <a:ext uri="{FF2B5EF4-FFF2-40B4-BE49-F238E27FC236}">
+                <a16:creationId xmlns:a16="http://schemas.microsoft.com/office/drawing/2014/main" id="{0C80CDD9-EF29-4199-9574-324ACEFEA76D}"/>
+              </a:ext>
+            </a:extLst>
+          </p:cNvPr>
+          <p:cNvPicPr>
+            <a:picLocks noChangeAspect="1"/>
+          </p:cNvPicPr>
+          <p:nvPr/>
+        </p:nvPicPr>
+        <p:blipFill>
+          <a:blip r:embed="rId7"/>
+          <a:stretch>
+            <a:fillRect/>
+          </a:stretch>
+        </p:blipFill>
+        <p:spPr>
+          <a:xfrm>
+            <a:off x="9863139" y="3660201"/>
+            <a:ext cx="1123078" cy="2016298"/>
+          </a:xfrm>
+          <a:prstGeom prst="rect">
+            <a:avLst/>
+          </a:prstGeom>
+        </p:spPr>
+      </p:pic>
     </p:spTree>
     <p:extLst>
       <p:ext uri="{BB962C8B-B14F-4D97-AF65-F5344CB8AC3E}">
@@ -8199,52 +8590,12 @@
           <a:chExt cx="0" cy="0"/>
         </a:xfrm>
       </p:grpSpPr>
-      <p:sp>
-        <p:nvSpPr>
-          <p:cNvPr id="4" name="TextBox 3">
+      <p:pic>
+        <p:nvPicPr>
+          <p:cNvPr id="3" name="Рисунок 2">
             <a:extLst>
               <a:ext uri="{FF2B5EF4-FFF2-40B4-BE49-F238E27FC236}">
-                <a16:creationId xmlns:a16="http://schemas.microsoft.com/office/drawing/2014/main" id="{F467993C-1E0F-4560-9698-C2FB69F838EC}"/>
-              </a:ext>
-            </a:extLst>
-          </p:cNvPr>
-          <p:cNvSpPr txBox="1"/>
-          <p:nvPr/>
-        </p:nvSpPr>
-        <p:spPr>
-          <a:xfrm>
-            <a:off x="5159403" y="5193435"/>
-            <a:ext cx="1873189" cy="523220"/>
-          </a:xfrm>
-          <a:prstGeom prst="rect">
-            <a:avLst/>
-          </a:prstGeom>
-          <a:noFill/>
-        </p:spPr>
-        <p:txBody>
-          <a:bodyPr wrap="square" rtlCol="0">
-            <a:spAutoFit/>
-          </a:bodyPr>
-          <a:lstStyle/>
-          <a:p>
-            <a:r>
-              <a:rPr lang="en-US" sz="2800" dirty="0">
-                <a:latin typeface="Bahnschrift Light" panose="020B0502040204020203" pitchFamily="34" charset="0"/>
-              </a:rPr>
-              <a:t>GITHUB</a:t>
-            </a:r>
-            <a:endParaRPr lang="ru-RU" sz="2800" dirty="0">
-              <a:latin typeface="Bahnschrift Light" panose="020B0502040204020203" pitchFamily="34" charset="0"/>
-            </a:endParaRPr>
-          </a:p>
-        </p:txBody>
-      </p:sp>
-      <p:pic>
-        <p:nvPicPr>
-          <p:cNvPr id="5" name="Рисунок 4">
-            <a:extLst>
-              <a:ext uri="{FF2B5EF4-FFF2-40B4-BE49-F238E27FC236}">
-                <a16:creationId xmlns:a16="http://schemas.microsoft.com/office/drawing/2014/main" id="{AC118391-5F16-4BD6-AAAE-B934DD53AE58}"/>
+                <a16:creationId xmlns:a16="http://schemas.microsoft.com/office/drawing/2014/main" id="{77665956-2BB4-4939-8145-AF407906B708}"/>
               </a:ext>
             </a:extLst>
           </p:cNvPr>
@@ -8253,15 +8604,16 @@
           </p:cNvPicPr>
           <p:nvPr/>
         </p:nvPicPr>
-        <p:blipFill rotWithShape="1">
+        <p:blipFill>
           <a:blip r:embed="rId2"/>
-          <a:srcRect b="21755"/>
-          <a:stretch/>
+          <a:stretch>
+            <a:fillRect/>
+          </a:stretch>
         </p:blipFill>
         <p:spPr>
           <a:xfrm>
-            <a:off x="121324" y="347081"/>
-            <a:ext cx="11949346" cy="4766456"/>
+            <a:off x="458677" y="588788"/>
+            <a:ext cx="11274641" cy="4202172"/>
           </a:xfrm>
           <a:prstGeom prst="rect">
             <a:avLst/>
@@ -8294,6 +8646,46 @@
           </a:sp3d>
         </p:spPr>
       </p:pic>
+      <p:sp>
+        <p:nvSpPr>
+          <p:cNvPr id="4" name="TextBox 3">
+            <a:extLst>
+              <a:ext uri="{FF2B5EF4-FFF2-40B4-BE49-F238E27FC236}">
+                <a16:creationId xmlns:a16="http://schemas.microsoft.com/office/drawing/2014/main" id="{F467993C-1E0F-4560-9698-C2FB69F838EC}"/>
+              </a:ext>
+            </a:extLst>
+          </p:cNvPr>
+          <p:cNvSpPr txBox="1"/>
+          <p:nvPr/>
+        </p:nvSpPr>
+        <p:spPr>
+          <a:xfrm>
+            <a:off x="5159404" y="5024760"/>
+            <a:ext cx="1873189" cy="523220"/>
+          </a:xfrm>
+          <a:prstGeom prst="rect">
+            <a:avLst/>
+          </a:prstGeom>
+          <a:noFill/>
+        </p:spPr>
+        <p:txBody>
+          <a:bodyPr wrap="square" rtlCol="0">
+            <a:spAutoFit/>
+          </a:bodyPr>
+          <a:lstStyle/>
+          <a:p>
+            <a:r>
+              <a:rPr lang="en-US" sz="2800" dirty="0">
+                <a:latin typeface="Bahnschrift Light" panose="020B0502040204020203" pitchFamily="34" charset="0"/>
+              </a:rPr>
+              <a:t>GITHUB</a:t>
+            </a:r>
+            <a:endParaRPr lang="ru-RU" sz="2800" dirty="0">
+              <a:latin typeface="Bahnschrift Light" panose="020B0502040204020203" pitchFamily="34" charset="0"/>
+            </a:endParaRPr>
+          </a:p>
+        </p:txBody>
+      </p:sp>
     </p:spTree>
     <p:extLst>
       <p:ext uri="{BB962C8B-B14F-4D97-AF65-F5344CB8AC3E}">
